--- a/Pictures/ThesisSubject.pptx
+++ b/Pictures/ThesisSubject.pptx
@@ -288,7 +288,7 @@
           <a:p>
             <a:fld id="{9EE18045-D37E-479E-9555-9CAACBD8CD48}" type="datetimeFigureOut">
               <a:rPr lang="nl-BE" smtClean="0"/>
-              <a:t>21/04/2013</a:t>
+              <a:t>10/05/2013</a:t>
             </a:fld>
             <a:endParaRPr lang="nl-BE"/>
           </a:p>
@@ -458,7 +458,7 @@
           <a:p>
             <a:fld id="{9EE18045-D37E-479E-9555-9CAACBD8CD48}" type="datetimeFigureOut">
               <a:rPr lang="nl-BE" smtClean="0"/>
-              <a:t>21/04/2013</a:t>
+              <a:t>10/05/2013</a:t>
             </a:fld>
             <a:endParaRPr lang="nl-BE"/>
           </a:p>
@@ -638,7 +638,7 @@
           <a:p>
             <a:fld id="{9EE18045-D37E-479E-9555-9CAACBD8CD48}" type="datetimeFigureOut">
               <a:rPr lang="nl-BE" smtClean="0"/>
-              <a:t>21/04/2013</a:t>
+              <a:t>10/05/2013</a:t>
             </a:fld>
             <a:endParaRPr lang="nl-BE"/>
           </a:p>
@@ -808,7 +808,7 @@
           <a:p>
             <a:fld id="{9EE18045-D37E-479E-9555-9CAACBD8CD48}" type="datetimeFigureOut">
               <a:rPr lang="nl-BE" smtClean="0"/>
-              <a:t>21/04/2013</a:t>
+              <a:t>10/05/2013</a:t>
             </a:fld>
             <a:endParaRPr lang="nl-BE"/>
           </a:p>
@@ -1054,7 +1054,7 @@
           <a:p>
             <a:fld id="{9EE18045-D37E-479E-9555-9CAACBD8CD48}" type="datetimeFigureOut">
               <a:rPr lang="nl-BE" smtClean="0"/>
-              <a:t>21/04/2013</a:t>
+              <a:t>10/05/2013</a:t>
             </a:fld>
             <a:endParaRPr lang="nl-BE"/>
           </a:p>
@@ -1342,7 +1342,7 @@
           <a:p>
             <a:fld id="{9EE18045-D37E-479E-9555-9CAACBD8CD48}" type="datetimeFigureOut">
               <a:rPr lang="nl-BE" smtClean="0"/>
-              <a:t>21/04/2013</a:t>
+              <a:t>10/05/2013</a:t>
             </a:fld>
             <a:endParaRPr lang="nl-BE"/>
           </a:p>
@@ -1764,7 +1764,7 @@
           <a:p>
             <a:fld id="{9EE18045-D37E-479E-9555-9CAACBD8CD48}" type="datetimeFigureOut">
               <a:rPr lang="nl-BE" smtClean="0"/>
-              <a:t>21/04/2013</a:t>
+              <a:t>10/05/2013</a:t>
             </a:fld>
             <a:endParaRPr lang="nl-BE"/>
           </a:p>
@@ -1882,7 +1882,7 @@
           <a:p>
             <a:fld id="{9EE18045-D37E-479E-9555-9CAACBD8CD48}" type="datetimeFigureOut">
               <a:rPr lang="nl-BE" smtClean="0"/>
-              <a:t>21/04/2013</a:t>
+              <a:t>10/05/2013</a:t>
             </a:fld>
             <a:endParaRPr lang="nl-BE"/>
           </a:p>
@@ -1977,7 +1977,7 @@
           <a:p>
             <a:fld id="{9EE18045-D37E-479E-9555-9CAACBD8CD48}" type="datetimeFigureOut">
               <a:rPr lang="nl-BE" smtClean="0"/>
-              <a:t>21/04/2013</a:t>
+              <a:t>10/05/2013</a:t>
             </a:fld>
             <a:endParaRPr lang="nl-BE"/>
           </a:p>
@@ -2254,7 +2254,7 @@
           <a:p>
             <a:fld id="{9EE18045-D37E-479E-9555-9CAACBD8CD48}" type="datetimeFigureOut">
               <a:rPr lang="nl-BE" smtClean="0"/>
-              <a:t>21/04/2013</a:t>
+              <a:t>10/05/2013</a:t>
             </a:fld>
             <a:endParaRPr lang="nl-BE"/>
           </a:p>
@@ -2507,7 +2507,7 @@
           <a:p>
             <a:fld id="{9EE18045-D37E-479E-9555-9CAACBD8CD48}" type="datetimeFigureOut">
               <a:rPr lang="nl-BE" smtClean="0"/>
-              <a:t>21/04/2013</a:t>
+              <a:t>10/05/2013</a:t>
             </a:fld>
             <a:endParaRPr lang="nl-BE"/>
           </a:p>
@@ -2720,7 +2720,7 @@
           <a:p>
             <a:fld id="{9EE18045-D37E-479E-9555-9CAACBD8CD48}" type="datetimeFigureOut">
               <a:rPr lang="nl-BE" smtClean="0"/>
-              <a:t>21/04/2013</a:t>
+              <a:t>10/05/2013</a:t>
             </a:fld>
             <a:endParaRPr lang="nl-BE"/>
           </a:p>
@@ -3493,10 +3493,7 @@
             <a:r>
               <a:rPr lang="nl-BE" sz="2800" b="1" dirty="0" smtClean="0">
                 <a:solidFill>
-                  <a:schemeClr val="tx1">
-                    <a:lumMod val="95000"/>
-                    <a:lumOff val="5000"/>
-                  </a:schemeClr>
+                  <a:srgbClr val="00B050"/>
                 </a:solidFill>
                 <a:effectLst>
                   <a:outerShdw blurRad="38100" dist="38100" dir="2700000" algn="tl">
@@ -3511,10 +3508,7 @@
             </a:r>
             <a:endParaRPr lang="nl-BE" sz="2800" b="1" dirty="0">
               <a:solidFill>
-                <a:schemeClr val="tx1">
-                  <a:lumMod val="95000"/>
-                  <a:lumOff val="5000"/>
-                </a:schemeClr>
+                <a:srgbClr val="00B050"/>
               </a:solidFill>
               <a:effectLst>
                 <a:outerShdw blurRad="38100" dist="38100" dir="2700000" algn="tl">
@@ -3554,10 +3548,7 @@
             <a:r>
               <a:rPr lang="nl-BE" sz="2800" b="1" dirty="0">
                 <a:solidFill>
-                  <a:schemeClr val="tx1">
-                    <a:lumMod val="95000"/>
-                    <a:lumOff val="5000"/>
-                  </a:schemeClr>
+                  <a:srgbClr val="00B050"/>
                 </a:solidFill>
                 <a:effectLst>
                   <a:outerShdw blurRad="38100" dist="38100" dir="2700000" algn="tl">
@@ -3674,22 +3665,6 @@
               </a:rPr>
               <a:t>Datastorage</a:t>
             </a:r>
-            <a:endParaRPr lang="nl-BE" sz="2800" b="1" dirty="0">
-              <a:solidFill>
-                <a:schemeClr val="tx1">
-                  <a:lumMod val="95000"/>
-                  <a:lumOff val="5000"/>
-                </a:schemeClr>
-              </a:solidFill>
-              <a:effectLst>
-                <a:outerShdw blurRad="38100" dist="38100" dir="2700000" algn="tl">
-                  <a:srgbClr val="000000">
-                    <a:alpha val="43137"/>
-                  </a:srgbClr>
-                </a:outerShdw>
-              </a:effectLst>
-              <a:latin typeface="Arial Narrow" pitchFamily="34" charset="0"/>
-            </a:endParaRPr>
           </a:p>
         </p:txBody>
       </p:sp>
@@ -3773,22 +3748,6 @@
               </a:rPr>
               <a:t>Interface</a:t>
             </a:r>
-            <a:endParaRPr lang="nl-BE" sz="2800" b="1" dirty="0">
-              <a:solidFill>
-                <a:schemeClr val="tx1">
-                  <a:lumMod val="95000"/>
-                  <a:lumOff val="5000"/>
-                </a:schemeClr>
-              </a:solidFill>
-              <a:effectLst>
-                <a:outerShdw blurRad="38100" dist="38100" dir="2700000" algn="tl">
-                  <a:srgbClr val="000000">
-                    <a:alpha val="43137"/>
-                  </a:srgbClr>
-                </a:outerShdw>
-              </a:effectLst>
-              <a:latin typeface="Arial Narrow" pitchFamily="34" charset="0"/>
-            </a:endParaRPr>
           </a:p>
         </p:txBody>
       </p:sp>
